--- a/Document/DIAGRAMME DE NAVIGATION.pptx
+++ b/Document/DIAGRAMME DE NAVIGATION.pptx
@@ -4416,8 +4416,8 @@
         </p:nvSpPr>
         <p:spPr>
           <a:xfrm>
-            <a:off x="4539448" y="409119"/>
-            <a:ext cx="4724401" cy="523220"/>
+            <a:off x="4539449" y="409119"/>
+            <a:ext cx="2127682" cy="523220"/>
           </a:xfrm>
           <a:prstGeom prst="rect">
             <a:avLst/>

--- a/Document/DIAGRAMME DE NAVIGATION.pptx
+++ b/Document/DIAGRAMME DE NAVIGATION.pptx
@@ -104,6 +104,11 @@
       </a:defRPr>
     </a:lvl9pPr>
   </p:defaultTextStyle>
+  <p:extLst>
+    <p:ext uri="{EFAFB233-063F-42B5-8137-9DF3F51BA10A}">
+      <p15:sldGuideLst xmlns:p15="http://schemas.microsoft.com/office/powerpoint/2012/main"/>
+    </p:ext>
+  </p:extLst>
 </p:presentation>
 </file>
 
@@ -256,7 +261,7 @@
           <a:p>
             <a:fld id="{8468806E-BC94-492A-B3D7-DCCA273B2761}" type="datetimeFigureOut">
               <a:rPr lang="fr-CA" smtClean="0"/>
-              <a:t>2019-08-21</a:t>
+              <a:t>2019-08-29</a:t>
             </a:fld>
             <a:endParaRPr lang="fr-CA"/>
           </a:p>
@@ -456,7 +461,7 @@
           <a:p>
             <a:fld id="{8468806E-BC94-492A-B3D7-DCCA273B2761}" type="datetimeFigureOut">
               <a:rPr lang="fr-CA" smtClean="0"/>
-              <a:t>2019-08-21</a:t>
+              <a:t>2019-08-29</a:t>
             </a:fld>
             <a:endParaRPr lang="fr-CA"/>
           </a:p>
@@ -666,7 +671,7 @@
           <a:p>
             <a:fld id="{8468806E-BC94-492A-B3D7-DCCA273B2761}" type="datetimeFigureOut">
               <a:rPr lang="fr-CA" smtClean="0"/>
-              <a:t>2019-08-21</a:t>
+              <a:t>2019-08-29</a:t>
             </a:fld>
             <a:endParaRPr lang="fr-CA"/>
           </a:p>
@@ -866,7 +871,7 @@
           <a:p>
             <a:fld id="{8468806E-BC94-492A-B3D7-DCCA273B2761}" type="datetimeFigureOut">
               <a:rPr lang="fr-CA" smtClean="0"/>
-              <a:t>2019-08-21</a:t>
+              <a:t>2019-08-29</a:t>
             </a:fld>
             <a:endParaRPr lang="fr-CA"/>
           </a:p>
@@ -1142,7 +1147,7 @@
           <a:p>
             <a:fld id="{8468806E-BC94-492A-B3D7-DCCA273B2761}" type="datetimeFigureOut">
               <a:rPr lang="fr-CA" smtClean="0"/>
-              <a:t>2019-08-21</a:t>
+              <a:t>2019-08-29</a:t>
             </a:fld>
             <a:endParaRPr lang="fr-CA"/>
           </a:p>
@@ -1410,7 +1415,7 @@
           <a:p>
             <a:fld id="{8468806E-BC94-492A-B3D7-DCCA273B2761}" type="datetimeFigureOut">
               <a:rPr lang="fr-CA" smtClean="0"/>
-              <a:t>2019-08-21</a:t>
+              <a:t>2019-08-29</a:t>
             </a:fld>
             <a:endParaRPr lang="fr-CA"/>
           </a:p>
@@ -1825,7 +1830,7 @@
           <a:p>
             <a:fld id="{8468806E-BC94-492A-B3D7-DCCA273B2761}" type="datetimeFigureOut">
               <a:rPr lang="fr-CA" smtClean="0"/>
-              <a:t>2019-08-21</a:t>
+              <a:t>2019-08-29</a:t>
             </a:fld>
             <a:endParaRPr lang="fr-CA"/>
           </a:p>
@@ -1967,7 +1972,7 @@
           <a:p>
             <a:fld id="{8468806E-BC94-492A-B3D7-DCCA273B2761}" type="datetimeFigureOut">
               <a:rPr lang="fr-CA" smtClean="0"/>
-              <a:t>2019-08-21</a:t>
+              <a:t>2019-08-29</a:t>
             </a:fld>
             <a:endParaRPr lang="fr-CA"/>
           </a:p>
@@ -2080,7 +2085,7 @@
           <a:p>
             <a:fld id="{8468806E-BC94-492A-B3D7-DCCA273B2761}" type="datetimeFigureOut">
               <a:rPr lang="fr-CA" smtClean="0"/>
-              <a:t>2019-08-21</a:t>
+              <a:t>2019-08-29</a:t>
             </a:fld>
             <a:endParaRPr lang="fr-CA"/>
           </a:p>
@@ -2393,7 +2398,7 @@
           <a:p>
             <a:fld id="{8468806E-BC94-492A-B3D7-DCCA273B2761}" type="datetimeFigureOut">
               <a:rPr lang="fr-CA" smtClean="0"/>
-              <a:t>2019-08-21</a:t>
+              <a:t>2019-08-29</a:t>
             </a:fld>
             <a:endParaRPr lang="fr-CA"/>
           </a:p>
@@ -2682,7 +2687,7 @@
           <a:p>
             <a:fld id="{8468806E-BC94-492A-B3D7-DCCA273B2761}" type="datetimeFigureOut">
               <a:rPr lang="fr-CA" smtClean="0"/>
-              <a:t>2019-08-21</a:t>
+              <a:t>2019-08-29</a:t>
             </a:fld>
             <a:endParaRPr lang="fr-CA"/>
           </a:p>
@@ -2925,7 +2930,7 @@
           <a:p>
             <a:fld id="{8468806E-BC94-492A-B3D7-DCCA273B2761}" type="datetimeFigureOut">
               <a:rPr lang="fr-CA" smtClean="0"/>
-              <a:t>2019-08-21</a:t>
+              <a:t>2019-08-29</a:t>
             </a:fld>
             <a:endParaRPr lang="fr-CA"/>
           </a:p>
@@ -3356,7 +3361,7 @@
         </p:nvSpPr>
         <p:spPr>
           <a:xfrm>
-            <a:off x="2170589" y="1863649"/>
+            <a:off x="1613857" y="1995459"/>
             <a:ext cx="1592062" cy="914400"/>
           </a:xfrm>
           <a:prstGeom prst="rect">
@@ -3405,7 +3410,7 @@
         </p:nvSpPr>
         <p:spPr>
           <a:xfrm>
-            <a:off x="225271" y="1863649"/>
+            <a:off x="-152798" y="1969157"/>
             <a:ext cx="1592062" cy="914400"/>
           </a:xfrm>
           <a:prstGeom prst="rect">
@@ -3454,7 +3459,7 @@
         </p:nvSpPr>
         <p:spPr>
           <a:xfrm>
-            <a:off x="4119978" y="1863649"/>
+            <a:off x="3520469" y="1969157"/>
             <a:ext cx="1592062" cy="914400"/>
           </a:xfrm>
           <a:prstGeom prst="rect">
@@ -3503,7 +3508,7 @@
         </p:nvSpPr>
         <p:spPr>
           <a:xfrm>
-            <a:off x="8249574" y="1863649"/>
+            <a:off x="7086600" y="1995459"/>
             <a:ext cx="1592062" cy="914400"/>
           </a:xfrm>
           <a:prstGeom prst="rect">
@@ -3552,7 +3557,7 @@
         </p:nvSpPr>
         <p:spPr>
           <a:xfrm>
-            <a:off x="6300186" y="1863649"/>
+            <a:off x="5300549" y="1995459"/>
             <a:ext cx="1592062" cy="914400"/>
           </a:xfrm>
           <a:prstGeom prst="rect">
@@ -3601,7 +3606,7 @@
         </p:nvSpPr>
         <p:spPr>
           <a:xfrm>
-            <a:off x="10198963" y="1863649"/>
+            <a:off x="8919016" y="1986421"/>
             <a:ext cx="1592062" cy="914400"/>
           </a:xfrm>
           <a:prstGeom prst="rect">
@@ -3653,13 +3658,15 @@
               </a:ext>
             </a:extLst>
           </p:cNvPr>
-          <p:cNvCxnSpPr/>
+          <p:cNvCxnSpPr>
+            <a:cxnSpLocks/>
+          </p:cNvCxnSpPr>
           <p:nvPr/>
         </p:nvCxnSpPr>
         <p:spPr>
           <a:xfrm>
-            <a:off x="1817333" y="2450237"/>
-            <a:ext cx="353256" cy="0"/>
+            <a:off x="1439264" y="2555745"/>
+            <a:ext cx="176628" cy="0"/>
           </a:xfrm>
           <a:prstGeom prst="straightConnector1">
             <a:avLst/>
@@ -3693,15 +3700,15 @@
             </a:extLst>
           </p:cNvPr>
           <p:cNvCxnSpPr>
-            <a:stCxn id="4" idx="1"/>
+            <a:cxnSpLocks/>
             <a:endCxn id="5" idx="3"/>
           </p:cNvCxnSpPr>
           <p:nvPr/>
         </p:nvCxnSpPr>
         <p:spPr>
-          <a:xfrm flipH="1">
-            <a:off x="1817333" y="2320849"/>
-            <a:ext cx="353256" cy="0"/>
+          <a:xfrm flipH="1" flipV="1">
+            <a:off x="1439264" y="2426357"/>
+            <a:ext cx="176628" cy="17264"/>
           </a:xfrm>
           <a:prstGeom prst="straightConnector1">
             <a:avLst/>
@@ -3739,7 +3746,7 @@
         </p:nvCxnSpPr>
         <p:spPr>
           <a:xfrm>
-            <a:off x="3762651" y="2450237"/>
+            <a:off x="3171096" y="2555745"/>
             <a:ext cx="357327" cy="0"/>
           </a:xfrm>
           <a:prstGeom prst="straightConnector1">
@@ -3774,15 +3781,14 @@
             </a:extLst>
           </p:cNvPr>
           <p:cNvCxnSpPr>
-            <a:stCxn id="6" idx="1"/>
-            <a:endCxn id="4" idx="3"/>
+            <a:cxnSpLocks/>
           </p:cNvCxnSpPr>
           <p:nvPr/>
         </p:nvCxnSpPr>
         <p:spPr>
           <a:xfrm flipH="1">
-            <a:off x="3762651" y="2320849"/>
-            <a:ext cx="357327" cy="0"/>
+            <a:off x="3197965" y="2452659"/>
+            <a:ext cx="303590" cy="0"/>
           </a:xfrm>
           <a:prstGeom prst="straightConnector1">
             <a:avLst/>
@@ -3815,13 +3821,15 @@
               </a:ext>
             </a:extLst>
           </p:cNvPr>
-          <p:cNvCxnSpPr/>
+          <p:cNvCxnSpPr>
+            <a:cxnSpLocks/>
+          </p:cNvCxnSpPr>
           <p:nvPr/>
         </p:nvCxnSpPr>
         <p:spPr>
           <a:xfrm>
-            <a:off x="5712040" y="2450237"/>
-            <a:ext cx="588146" cy="0"/>
+            <a:off x="5093619" y="2561720"/>
+            <a:ext cx="240352" cy="0"/>
           </a:xfrm>
           <a:prstGeom prst="straightConnector1">
             <a:avLst/>
@@ -3855,15 +3863,14 @@
             </a:extLst>
           </p:cNvPr>
           <p:cNvCxnSpPr>
-            <a:stCxn id="8" idx="1"/>
-            <a:endCxn id="6" idx="3"/>
+            <a:cxnSpLocks/>
           </p:cNvCxnSpPr>
           <p:nvPr/>
         </p:nvCxnSpPr>
         <p:spPr>
           <a:xfrm flipH="1">
-            <a:off x="5712040" y="2320849"/>
-            <a:ext cx="588146" cy="0"/>
+            <a:off x="5104447" y="2452659"/>
+            <a:ext cx="204186" cy="0"/>
           </a:xfrm>
           <a:prstGeom prst="straightConnector1">
             <a:avLst/>
@@ -3896,13 +3903,15 @@
               </a:ext>
             </a:extLst>
           </p:cNvPr>
-          <p:cNvCxnSpPr/>
+          <p:cNvCxnSpPr>
+            <a:cxnSpLocks/>
+          </p:cNvCxnSpPr>
           <p:nvPr/>
         </p:nvCxnSpPr>
         <p:spPr>
           <a:xfrm>
-            <a:off x="7892248" y="2450237"/>
-            <a:ext cx="357326" cy="0"/>
+            <a:off x="6892611" y="2555745"/>
+            <a:ext cx="179958" cy="0"/>
           </a:xfrm>
           <a:prstGeom prst="straightConnector1">
             <a:avLst/>
@@ -3936,15 +3945,15 @@
             </a:extLst>
           </p:cNvPr>
           <p:cNvCxnSpPr>
-            <a:stCxn id="7" idx="1"/>
+            <a:cxnSpLocks/>
             <a:endCxn id="8" idx="3"/>
           </p:cNvCxnSpPr>
           <p:nvPr/>
         </p:nvCxnSpPr>
         <p:spPr>
           <a:xfrm flipH="1">
-            <a:off x="7892248" y="2320849"/>
-            <a:ext cx="357326" cy="0"/>
+            <a:off x="6892611" y="2452659"/>
+            <a:ext cx="193989" cy="0"/>
           </a:xfrm>
           <a:prstGeom prst="straightConnector1">
             <a:avLst/>
@@ -3977,13 +3986,15 @@
               </a:ext>
             </a:extLst>
           </p:cNvPr>
-          <p:cNvCxnSpPr/>
+          <p:cNvCxnSpPr>
+            <a:cxnSpLocks/>
+          </p:cNvCxnSpPr>
           <p:nvPr/>
         </p:nvCxnSpPr>
         <p:spPr>
           <a:xfrm>
-            <a:off x="9841636" y="2450237"/>
-            <a:ext cx="357327" cy="0"/>
+            <a:off x="8719836" y="2544136"/>
+            <a:ext cx="199180" cy="0"/>
           </a:xfrm>
           <a:prstGeom prst="straightConnector1">
             <a:avLst/>
@@ -4017,15 +4028,15 @@
             </a:extLst>
           </p:cNvPr>
           <p:cNvCxnSpPr>
-            <a:stCxn id="9" idx="1"/>
+            <a:cxnSpLocks/>
             <a:endCxn id="7" idx="3"/>
           </p:cNvCxnSpPr>
           <p:nvPr/>
         </p:nvCxnSpPr>
         <p:spPr>
           <a:xfrm flipH="1">
-            <a:off x="9841636" y="2320849"/>
-            <a:ext cx="357327" cy="0"/>
+            <a:off x="8678662" y="2452659"/>
+            <a:ext cx="240354" cy="0"/>
           </a:xfrm>
           <a:prstGeom prst="straightConnector1">
             <a:avLst/>
@@ -4065,7 +4076,7 @@
         </p:nvCxnSpPr>
         <p:spPr>
           <a:xfrm flipH="1">
-            <a:off x="2966620" y="2778049"/>
+            <a:off x="2588551" y="2883557"/>
             <a:ext cx="19234" cy="861796"/>
           </a:xfrm>
           <a:prstGeom prst="straightConnector1">
@@ -4106,7 +4117,7 @@
         </p:nvCxnSpPr>
         <p:spPr>
           <a:xfrm>
-            <a:off x="1393794" y="3639845"/>
+            <a:off x="1015725" y="3745353"/>
             <a:ext cx="3145654" cy="0"/>
           </a:xfrm>
           <a:prstGeom prst="line">
@@ -4142,7 +4153,7 @@
         </p:nvSpPr>
         <p:spPr>
           <a:xfrm>
-            <a:off x="2170589" y="4105923"/>
+            <a:off x="1792520" y="4211431"/>
             <a:ext cx="1592062" cy="914400"/>
           </a:xfrm>
           <a:prstGeom prst="rect">
@@ -4191,7 +4202,7 @@
         </p:nvSpPr>
         <p:spPr>
           <a:xfrm>
-            <a:off x="348631" y="4105923"/>
+            <a:off x="-29438" y="4211431"/>
             <a:ext cx="1592062" cy="914400"/>
           </a:xfrm>
           <a:prstGeom prst="rect">
@@ -4247,7 +4258,7 @@
         </p:nvSpPr>
         <p:spPr>
           <a:xfrm>
-            <a:off x="3992547" y="4105923"/>
+            <a:off x="3614478" y="4211431"/>
             <a:ext cx="1592062" cy="914400"/>
           </a:xfrm>
           <a:prstGeom prst="rect">
@@ -4296,7 +4307,7 @@
         </p:nvCxnSpPr>
         <p:spPr>
           <a:xfrm>
-            <a:off x="4539448" y="3639845"/>
+            <a:off x="4161379" y="3736391"/>
             <a:ext cx="0" cy="457200"/>
           </a:xfrm>
           <a:prstGeom prst="straightConnector1">
@@ -4338,7 +4349,7 @@
         </p:nvCxnSpPr>
         <p:spPr>
           <a:xfrm>
-            <a:off x="2966620" y="3648723"/>
+            <a:off x="2588551" y="3754231"/>
             <a:ext cx="0" cy="457200"/>
           </a:xfrm>
           <a:prstGeom prst="straightConnector1">
@@ -4377,7 +4388,7 @@
         </p:nvCxnSpPr>
         <p:spPr>
           <a:xfrm flipH="1">
-            <a:off x="1374559" y="3639845"/>
+            <a:off x="996490" y="3745353"/>
             <a:ext cx="19234" cy="457200"/>
           </a:xfrm>
           <a:prstGeom prst="straightConnector1">
@@ -4437,6 +4448,393 @@
           </a:p>
         </p:txBody>
       </p:sp>
+      <p:sp>
+        <p:nvSpPr>
+          <p:cNvPr id="42" name="Rectangle 41">
+            <a:extLst>
+              <a:ext uri="{FF2B5EF4-FFF2-40B4-BE49-F238E27FC236}">
+                <a16:creationId xmlns:a16="http://schemas.microsoft.com/office/drawing/2014/main" id="{CDF656E8-0D0F-4CCB-9342-C2FC03EFFF45}"/>
+              </a:ext>
+            </a:extLst>
+          </p:cNvPr>
+          <p:cNvSpPr/>
+          <p:nvPr/>
+        </p:nvSpPr>
+        <p:spPr>
+          <a:xfrm>
+            <a:off x="10751432" y="1969157"/>
+            <a:ext cx="1592062" cy="914400"/>
+          </a:xfrm>
+          <a:prstGeom prst="rect">
+            <a:avLst/>
+          </a:prstGeom>
+        </p:spPr>
+        <p:style>
+          <a:lnRef idx="2">
+            <a:schemeClr val="accent1">
+              <a:shade val="50000"/>
+            </a:schemeClr>
+          </a:lnRef>
+          <a:fillRef idx="1">
+            <a:schemeClr val="accent1"/>
+          </a:fillRef>
+          <a:effectRef idx="0">
+            <a:schemeClr val="accent1"/>
+          </a:effectRef>
+          <a:fontRef idx="minor">
+            <a:schemeClr val="lt1"/>
+          </a:fontRef>
+        </p:style>
+        <p:txBody>
+          <a:bodyPr rtlCol="0" anchor="ctr"/>
+          <a:lstStyle/>
+          <a:p>
+            <a:pPr algn="ctr"/>
+            <a:r>
+              <a:rPr lang="fr-CA" dirty="0"/>
+              <a:t>Membre</a:t>
+            </a:r>
+          </a:p>
+        </p:txBody>
+      </p:sp>
+      <p:cxnSp>
+        <p:nvCxnSpPr>
+          <p:cNvPr id="43" name="Connecteur droit avec flèche 42">
+            <a:extLst>
+              <a:ext uri="{FF2B5EF4-FFF2-40B4-BE49-F238E27FC236}">
+                <a16:creationId xmlns:a16="http://schemas.microsoft.com/office/drawing/2014/main" id="{FF9C6068-6FE5-4A3F-837B-0682B4074B01}"/>
+              </a:ext>
+            </a:extLst>
+          </p:cNvPr>
+          <p:cNvCxnSpPr>
+            <a:cxnSpLocks/>
+          </p:cNvCxnSpPr>
+          <p:nvPr/>
+        </p:nvCxnSpPr>
+        <p:spPr>
+          <a:xfrm>
+            <a:off x="10552252" y="2526872"/>
+            <a:ext cx="199180" cy="0"/>
+          </a:xfrm>
+          <a:prstGeom prst="straightConnector1">
+            <a:avLst/>
+          </a:prstGeom>
+          <a:ln>
+            <a:tailEnd type="triangle"/>
+          </a:ln>
+        </p:spPr>
+        <p:style>
+          <a:lnRef idx="1">
+            <a:schemeClr val="accent1"/>
+          </a:lnRef>
+          <a:fillRef idx="0">
+            <a:schemeClr val="accent1"/>
+          </a:fillRef>
+          <a:effectRef idx="0">
+            <a:schemeClr val="accent1"/>
+          </a:effectRef>
+          <a:fontRef idx="minor">
+            <a:schemeClr val="tx1"/>
+          </a:fontRef>
+        </p:style>
+      </p:cxnSp>
+      <p:cxnSp>
+        <p:nvCxnSpPr>
+          <p:cNvPr id="44" name="Connecteur droit avec flèche 43">
+            <a:extLst>
+              <a:ext uri="{FF2B5EF4-FFF2-40B4-BE49-F238E27FC236}">
+                <a16:creationId xmlns:a16="http://schemas.microsoft.com/office/drawing/2014/main" id="{046D6796-AE2B-4BCF-87AD-DC30D2F5D1E0}"/>
+              </a:ext>
+            </a:extLst>
+          </p:cNvPr>
+          <p:cNvCxnSpPr>
+            <a:cxnSpLocks/>
+          </p:cNvCxnSpPr>
+          <p:nvPr/>
+        </p:nvCxnSpPr>
+        <p:spPr>
+          <a:xfrm flipH="1">
+            <a:off x="10511078" y="2435395"/>
+            <a:ext cx="240354" cy="0"/>
+          </a:xfrm>
+          <a:prstGeom prst="straightConnector1">
+            <a:avLst/>
+          </a:prstGeom>
+          <a:ln>
+            <a:tailEnd type="triangle"/>
+          </a:ln>
+        </p:spPr>
+        <p:style>
+          <a:lnRef idx="1">
+            <a:schemeClr val="accent1"/>
+          </a:lnRef>
+          <a:fillRef idx="0">
+            <a:schemeClr val="accent1"/>
+          </a:fillRef>
+          <a:effectRef idx="0">
+            <a:schemeClr val="accent1"/>
+          </a:effectRef>
+          <a:fontRef idx="minor">
+            <a:schemeClr val="tx1"/>
+          </a:fontRef>
+        </p:style>
+      </p:cxnSp>
+      <p:cxnSp>
+        <p:nvCxnSpPr>
+          <p:cNvPr id="46" name="Connecteur droit avec flèche 45">
+            <a:extLst>
+              <a:ext uri="{FF2B5EF4-FFF2-40B4-BE49-F238E27FC236}">
+                <a16:creationId xmlns:a16="http://schemas.microsoft.com/office/drawing/2014/main" id="{FA5C9EB9-C3C4-445A-B0CE-4B879DC578B9}"/>
+              </a:ext>
+            </a:extLst>
+          </p:cNvPr>
+          <p:cNvCxnSpPr>
+            <a:cxnSpLocks/>
+            <a:stCxn id="42" idx="2"/>
+          </p:cNvCxnSpPr>
+          <p:nvPr/>
+        </p:nvCxnSpPr>
+        <p:spPr>
+          <a:xfrm>
+            <a:off x="11547463" y="2883557"/>
+            <a:ext cx="0" cy="633196"/>
+          </a:xfrm>
+          <a:prstGeom prst="straightConnector1">
+            <a:avLst/>
+          </a:prstGeom>
+          <a:ln>
+            <a:tailEnd type="triangle"/>
+          </a:ln>
+        </p:spPr>
+        <p:style>
+          <a:lnRef idx="1">
+            <a:schemeClr val="accent1"/>
+          </a:lnRef>
+          <a:fillRef idx="0">
+            <a:schemeClr val="accent1"/>
+          </a:fillRef>
+          <a:effectRef idx="0">
+            <a:schemeClr val="accent1"/>
+          </a:effectRef>
+          <a:fontRef idx="minor">
+            <a:schemeClr val="tx1"/>
+          </a:fontRef>
+        </p:style>
+      </p:cxnSp>
+      <p:sp>
+        <p:nvSpPr>
+          <p:cNvPr id="49" name="Rectangle 48">
+            <a:extLst>
+              <a:ext uri="{FF2B5EF4-FFF2-40B4-BE49-F238E27FC236}">
+                <a16:creationId xmlns:a16="http://schemas.microsoft.com/office/drawing/2014/main" id="{AED13EB0-3F00-47A6-9377-3E4E9904AF9B}"/>
+              </a:ext>
+            </a:extLst>
+          </p:cNvPr>
+          <p:cNvSpPr/>
+          <p:nvPr/>
+        </p:nvSpPr>
+        <p:spPr>
+          <a:xfrm>
+            <a:off x="10511078" y="3983473"/>
+            <a:ext cx="1592062" cy="914400"/>
+          </a:xfrm>
+          <a:prstGeom prst="rect">
+            <a:avLst/>
+          </a:prstGeom>
+        </p:spPr>
+        <p:style>
+          <a:lnRef idx="2">
+            <a:schemeClr val="accent1">
+              <a:shade val="50000"/>
+            </a:schemeClr>
+          </a:lnRef>
+          <a:fillRef idx="1">
+            <a:schemeClr val="accent1"/>
+          </a:fillRef>
+          <a:effectRef idx="0">
+            <a:schemeClr val="accent1"/>
+          </a:effectRef>
+          <a:fontRef idx="minor">
+            <a:schemeClr val="lt1"/>
+          </a:fontRef>
+        </p:style>
+        <p:txBody>
+          <a:bodyPr rtlCol="0" anchor="ctr"/>
+          <a:lstStyle/>
+          <a:p>
+            <a:pPr algn="ctr"/>
+            <a:r>
+              <a:rPr lang="fr-CA" dirty="0"/>
+              <a:t>Mot de passe perdu</a:t>
+            </a:r>
+          </a:p>
+        </p:txBody>
+      </p:sp>
+      <p:sp>
+        <p:nvSpPr>
+          <p:cNvPr id="50" name="Rectangle 49">
+            <a:extLst>
+              <a:ext uri="{FF2B5EF4-FFF2-40B4-BE49-F238E27FC236}">
+                <a16:creationId xmlns:a16="http://schemas.microsoft.com/office/drawing/2014/main" id="{A5E11CC4-5394-4B2F-B72A-1B8B362A31BF}"/>
+              </a:ext>
+            </a:extLst>
+          </p:cNvPr>
+          <p:cNvSpPr/>
+          <p:nvPr/>
+        </p:nvSpPr>
+        <p:spPr>
+          <a:xfrm>
+            <a:off x="8458070" y="3983473"/>
+            <a:ext cx="1592062" cy="914400"/>
+          </a:xfrm>
+          <a:prstGeom prst="rect">
+            <a:avLst/>
+          </a:prstGeom>
+        </p:spPr>
+        <p:style>
+          <a:lnRef idx="2">
+            <a:schemeClr val="accent1">
+              <a:shade val="50000"/>
+            </a:schemeClr>
+          </a:lnRef>
+          <a:fillRef idx="1">
+            <a:schemeClr val="accent1"/>
+          </a:fillRef>
+          <a:effectRef idx="0">
+            <a:schemeClr val="accent1"/>
+          </a:effectRef>
+          <a:fontRef idx="minor">
+            <a:schemeClr val="lt1"/>
+          </a:fontRef>
+        </p:style>
+        <p:txBody>
+          <a:bodyPr rtlCol="0" anchor="ctr"/>
+          <a:lstStyle/>
+          <a:p>
+            <a:pPr algn="ctr"/>
+            <a:r>
+              <a:rPr lang="fr-CA" dirty="0"/>
+              <a:t>Crée un compte</a:t>
+            </a:r>
+          </a:p>
+        </p:txBody>
+      </p:sp>
+      <p:cxnSp>
+        <p:nvCxnSpPr>
+          <p:cNvPr id="53" name="Connecteur droit avec flèche 52">
+            <a:extLst>
+              <a:ext uri="{FF2B5EF4-FFF2-40B4-BE49-F238E27FC236}">
+                <a16:creationId xmlns:a16="http://schemas.microsoft.com/office/drawing/2014/main" id="{7B9D8830-1172-4FC0-90D0-0AE900307632}"/>
+              </a:ext>
+            </a:extLst>
+          </p:cNvPr>
+          <p:cNvCxnSpPr/>
+          <p:nvPr/>
+        </p:nvCxnSpPr>
+        <p:spPr>
+          <a:xfrm>
+            <a:off x="9254101" y="3516753"/>
+            <a:ext cx="0" cy="457200"/>
+          </a:xfrm>
+          <a:prstGeom prst="straightConnector1">
+            <a:avLst/>
+          </a:prstGeom>
+          <a:ln>
+            <a:tailEnd type="triangle"/>
+          </a:ln>
+        </p:spPr>
+        <p:style>
+          <a:lnRef idx="1">
+            <a:schemeClr val="accent1"/>
+          </a:lnRef>
+          <a:fillRef idx="0">
+            <a:schemeClr val="accent1"/>
+          </a:fillRef>
+          <a:effectRef idx="0">
+            <a:schemeClr val="accent1"/>
+          </a:effectRef>
+          <a:fontRef idx="minor">
+            <a:schemeClr val="tx1"/>
+          </a:fontRef>
+        </p:style>
+      </p:cxnSp>
+      <p:cxnSp>
+        <p:nvCxnSpPr>
+          <p:cNvPr id="55" name="Connecteur droit 54">
+            <a:extLst>
+              <a:ext uri="{FF2B5EF4-FFF2-40B4-BE49-F238E27FC236}">
+                <a16:creationId xmlns:a16="http://schemas.microsoft.com/office/drawing/2014/main" id="{6C4D8E75-266E-436F-82C0-3CC91A4FB058}"/>
+              </a:ext>
+            </a:extLst>
+          </p:cNvPr>
+          <p:cNvCxnSpPr>
+            <a:cxnSpLocks/>
+          </p:cNvCxnSpPr>
+          <p:nvPr/>
+        </p:nvCxnSpPr>
+        <p:spPr>
+          <a:xfrm>
+            <a:off x="9254101" y="3516753"/>
+            <a:ext cx="2293362" cy="0"/>
+          </a:xfrm>
+          <a:prstGeom prst="line">
+            <a:avLst/>
+          </a:prstGeom>
+        </p:spPr>
+        <p:style>
+          <a:lnRef idx="1">
+            <a:schemeClr val="accent1"/>
+          </a:lnRef>
+          <a:fillRef idx="0">
+            <a:schemeClr val="accent1"/>
+          </a:fillRef>
+          <a:effectRef idx="0">
+            <a:schemeClr val="accent1"/>
+          </a:effectRef>
+          <a:fontRef idx="minor">
+            <a:schemeClr val="tx1"/>
+          </a:fontRef>
+        </p:style>
+      </p:cxnSp>
+      <p:cxnSp>
+        <p:nvCxnSpPr>
+          <p:cNvPr id="56" name="Connecteur droit avec flèche 55">
+            <a:extLst>
+              <a:ext uri="{FF2B5EF4-FFF2-40B4-BE49-F238E27FC236}">
+                <a16:creationId xmlns:a16="http://schemas.microsoft.com/office/drawing/2014/main" id="{997027EB-4042-4FB4-BC05-FD6BC8AC7F91}"/>
+              </a:ext>
+            </a:extLst>
+          </p:cNvPr>
+          <p:cNvCxnSpPr/>
+          <p:nvPr/>
+        </p:nvCxnSpPr>
+        <p:spPr>
+          <a:xfrm>
+            <a:off x="11564966" y="3516753"/>
+            <a:ext cx="0" cy="457200"/>
+          </a:xfrm>
+          <a:prstGeom prst="straightConnector1">
+            <a:avLst/>
+          </a:prstGeom>
+          <a:ln>
+            <a:tailEnd type="triangle"/>
+          </a:ln>
+        </p:spPr>
+        <p:style>
+          <a:lnRef idx="1">
+            <a:schemeClr val="accent1"/>
+          </a:lnRef>
+          <a:fillRef idx="0">
+            <a:schemeClr val="accent1"/>
+          </a:fillRef>
+          <a:effectRef idx="0">
+            <a:schemeClr val="accent1"/>
+          </a:effectRef>
+          <a:fontRef idx="minor">
+            <a:schemeClr val="tx1"/>
+          </a:fontRef>
+        </p:style>
+      </p:cxnSp>
     </p:spTree>
     <p:extLst>
       <p:ext uri="{BB962C8B-B14F-4D97-AF65-F5344CB8AC3E}">
